--- a/Sem 4/RDBMS/Mod 1/RDBMS_Module_1.1.pptx
+++ b/Sem 4/RDBMS/Mod 1/RDBMS_Module_1.1.pptx
@@ -678,7 +678,7 @@
           <a:p>
             <a:fld id="{35DD917B-F07D-4D57-852E-EF9922B2A2EC}" type="datetimeFigureOut">
               <a:rPr lang="en-US" smtClean="0"/>
-              <a:t>2/16/2025</a:t>
+              <a:t>2/26/2025</a:t>
             </a:fld>
             <a:endParaRPr lang="en-US"/>
           </a:p>
@@ -7118,7 +7118,7 @@
           <a:p>
             <a:fld id="{5F468057-BAD5-4A73-9410-DEF1844B8A10}" type="datetimeFigureOut">
               <a:rPr lang="en-US" smtClean="0"/>
-              <a:t>2/16/2025</a:t>
+              <a:t>2/26/2025</a:t>
             </a:fld>
             <a:endParaRPr lang="en-US"/>
           </a:p>
@@ -7316,7 +7316,7 @@
           <a:p>
             <a:fld id="{5F468057-BAD5-4A73-9410-DEF1844B8A10}" type="datetimeFigureOut">
               <a:rPr lang="en-US" smtClean="0"/>
-              <a:t>2/16/2025</a:t>
+              <a:t>2/26/2025</a:t>
             </a:fld>
             <a:endParaRPr lang="en-US"/>
           </a:p>
@@ -7524,7 +7524,7 @@
           <a:p>
             <a:fld id="{5F468057-BAD5-4A73-9410-DEF1844B8A10}" type="datetimeFigureOut">
               <a:rPr lang="en-US" smtClean="0"/>
-              <a:t>2/16/2025</a:t>
+              <a:t>2/26/2025</a:t>
             </a:fld>
             <a:endParaRPr lang="en-US"/>
           </a:p>
@@ -7722,7 +7722,7 @@
           <a:p>
             <a:fld id="{5F468057-BAD5-4A73-9410-DEF1844B8A10}" type="datetimeFigureOut">
               <a:rPr lang="en-US" smtClean="0"/>
-              <a:t>2/16/2025</a:t>
+              <a:t>2/26/2025</a:t>
             </a:fld>
             <a:endParaRPr lang="en-US"/>
           </a:p>
@@ -7997,7 +7997,7 @@
           <a:p>
             <a:fld id="{5F468057-BAD5-4A73-9410-DEF1844B8A10}" type="datetimeFigureOut">
               <a:rPr lang="en-US" smtClean="0"/>
-              <a:t>2/16/2025</a:t>
+              <a:t>2/26/2025</a:t>
             </a:fld>
             <a:endParaRPr lang="en-US"/>
           </a:p>
@@ -8262,7 +8262,7 @@
           <a:p>
             <a:fld id="{5F468057-BAD5-4A73-9410-DEF1844B8A10}" type="datetimeFigureOut">
               <a:rPr lang="en-US" smtClean="0"/>
-              <a:t>2/16/2025</a:t>
+              <a:t>2/26/2025</a:t>
             </a:fld>
             <a:endParaRPr lang="en-US"/>
           </a:p>
@@ -8674,7 +8674,7 @@
           <a:p>
             <a:fld id="{5F468057-BAD5-4A73-9410-DEF1844B8A10}" type="datetimeFigureOut">
               <a:rPr lang="en-US" smtClean="0"/>
-              <a:t>2/16/2025</a:t>
+              <a:t>2/26/2025</a:t>
             </a:fld>
             <a:endParaRPr lang="en-US"/>
           </a:p>
@@ -8815,7 +8815,7 @@
           <a:p>
             <a:fld id="{5F468057-BAD5-4A73-9410-DEF1844B8A10}" type="datetimeFigureOut">
               <a:rPr lang="en-US" smtClean="0"/>
-              <a:t>2/16/2025</a:t>
+              <a:t>2/26/2025</a:t>
             </a:fld>
             <a:endParaRPr lang="en-US"/>
           </a:p>
@@ -8928,7 +8928,7 @@
           <a:p>
             <a:fld id="{5F468057-BAD5-4A73-9410-DEF1844B8A10}" type="datetimeFigureOut">
               <a:rPr lang="en-US" smtClean="0"/>
-              <a:t>2/16/2025</a:t>
+              <a:t>2/26/2025</a:t>
             </a:fld>
             <a:endParaRPr lang="en-US"/>
           </a:p>
@@ -9239,7 +9239,7 @@
           <a:p>
             <a:fld id="{5F468057-BAD5-4A73-9410-DEF1844B8A10}" type="datetimeFigureOut">
               <a:rPr lang="en-US" smtClean="0"/>
-              <a:t>2/16/2025</a:t>
+              <a:t>2/26/2025</a:t>
             </a:fld>
             <a:endParaRPr lang="en-US"/>
           </a:p>
@@ -9527,7 +9527,7 @@
           <a:p>
             <a:fld id="{5F468057-BAD5-4A73-9410-DEF1844B8A10}" type="datetimeFigureOut">
               <a:rPr lang="en-US" smtClean="0"/>
-              <a:t>2/16/2025</a:t>
+              <a:t>2/26/2025</a:t>
             </a:fld>
             <a:endParaRPr lang="en-US"/>
           </a:p>
@@ -9768,7 +9768,7 @@
           <a:p>
             <a:fld id="{5F468057-BAD5-4A73-9410-DEF1844B8A10}" type="datetimeFigureOut">
               <a:rPr lang="en-US" smtClean="0"/>
-              <a:t>2/16/2025</a:t>
+              <a:t>2/26/2025</a:t>
             </a:fld>
             <a:endParaRPr lang="en-US"/>
           </a:p>
@@ -10733,8 +10733,8 @@
           </a:p>
         </p:txBody>
       </p:sp>
-      <mc:AlternateContent xmlns:mc="http://schemas.openxmlformats.org/markup-compatibility/2006">
-        <mc:Choice xmlns:p14="http://schemas.microsoft.com/office/powerpoint/2010/main" Requires="p14">
+      <mc:AlternateContent xmlns:mc="http://schemas.openxmlformats.org/markup-compatibility/2006" xmlns:p14="http://schemas.microsoft.com/office/powerpoint/2010/main">
+        <mc:Choice Requires="p14">
           <p:contentPart p14:bwMode="auto" r:id="rId3">
             <p14:nvContentPartPr>
               <p14:cNvPr id="3" name="Ink 2">
@@ -10753,7 +10753,7 @@
             </p14:xfrm>
           </p:contentPart>
         </mc:Choice>
-        <mc:Fallback>
+        <mc:Fallback xmlns="">
           <p:pic>
             <p:nvPicPr>
               <p:cNvPr id="3" name="Ink 2">
@@ -12798,8 +12798,8 @@
             <a:chExt cx="1335960" cy="964800"/>
           </a:xfrm>
         </p:grpSpPr>
-        <mc:AlternateContent xmlns:mc="http://schemas.openxmlformats.org/markup-compatibility/2006">
-          <mc:Choice xmlns:p14="http://schemas.microsoft.com/office/powerpoint/2010/main" Requires="p14">
+        <mc:AlternateContent xmlns:mc="http://schemas.openxmlformats.org/markup-compatibility/2006" xmlns:p14="http://schemas.microsoft.com/office/powerpoint/2010/main">
+          <mc:Choice Requires="p14">
             <p:contentPart p14:bwMode="auto" r:id="rId3">
               <p14:nvContentPartPr>
                 <p14:cNvPr id="2" name="Ink 1">
@@ -12818,7 +12818,7 @@
               </p14:xfrm>
             </p:contentPart>
           </mc:Choice>
-          <mc:Fallback>
+          <mc:Fallback xmlns="">
             <p:pic>
               <p:nvPicPr>
                 <p:cNvPr id="2" name="Ink 1">
@@ -12849,8 +12849,8 @@
             </p:pic>
           </mc:Fallback>
         </mc:AlternateContent>
-        <mc:AlternateContent xmlns:mc="http://schemas.openxmlformats.org/markup-compatibility/2006">
-          <mc:Choice xmlns:p14="http://schemas.microsoft.com/office/powerpoint/2010/main" Requires="p14">
+        <mc:AlternateContent xmlns:mc="http://schemas.openxmlformats.org/markup-compatibility/2006" xmlns:p14="http://schemas.microsoft.com/office/powerpoint/2010/main">
+          <mc:Choice Requires="p14">
             <p:contentPart p14:bwMode="auto" r:id="rId5">
               <p14:nvContentPartPr>
                 <p14:cNvPr id="3" name="Ink 2">
@@ -12869,7 +12869,7 @@
               </p14:xfrm>
             </p:contentPart>
           </mc:Choice>
-          <mc:Fallback>
+          <mc:Fallback xmlns="">
             <p:pic>
               <p:nvPicPr>
                 <p:cNvPr id="3" name="Ink 2">
@@ -12900,8 +12900,8 @@
             </p:pic>
           </mc:Fallback>
         </mc:AlternateContent>
-        <mc:AlternateContent xmlns:mc="http://schemas.openxmlformats.org/markup-compatibility/2006">
-          <mc:Choice xmlns:p14="http://schemas.microsoft.com/office/powerpoint/2010/main" Requires="p14">
+        <mc:AlternateContent xmlns:mc="http://schemas.openxmlformats.org/markup-compatibility/2006" xmlns:p14="http://schemas.microsoft.com/office/powerpoint/2010/main">
+          <mc:Choice Requires="p14">
             <p:contentPart p14:bwMode="auto" r:id="rId7">
               <p14:nvContentPartPr>
                 <p14:cNvPr id="4" name="Ink 3">
@@ -12920,7 +12920,7 @@
               </p14:xfrm>
             </p:contentPart>
           </mc:Choice>
-          <mc:Fallback>
+          <mc:Fallback xmlns="">
             <p:pic>
               <p:nvPicPr>
                 <p:cNvPr id="4" name="Ink 3">
@@ -12951,8 +12951,8 @@
             </p:pic>
           </mc:Fallback>
         </mc:AlternateContent>
-        <mc:AlternateContent xmlns:mc="http://schemas.openxmlformats.org/markup-compatibility/2006">
-          <mc:Choice xmlns:p14="http://schemas.microsoft.com/office/powerpoint/2010/main" Requires="p14">
+        <mc:AlternateContent xmlns:mc="http://schemas.openxmlformats.org/markup-compatibility/2006" xmlns:p14="http://schemas.microsoft.com/office/powerpoint/2010/main">
+          <mc:Choice Requires="p14">
             <p:contentPart p14:bwMode="auto" r:id="rId9">
               <p14:nvContentPartPr>
                 <p14:cNvPr id="5" name="Ink 4">
@@ -12971,7 +12971,7 @@
               </p14:xfrm>
             </p:contentPart>
           </mc:Choice>
-          <mc:Fallback>
+          <mc:Fallback xmlns="">
             <p:pic>
               <p:nvPicPr>
                 <p:cNvPr id="5" name="Ink 4">
@@ -13002,8 +13002,8 @@
             </p:pic>
           </mc:Fallback>
         </mc:AlternateContent>
-        <mc:AlternateContent xmlns:mc="http://schemas.openxmlformats.org/markup-compatibility/2006">
-          <mc:Choice xmlns:p14="http://schemas.microsoft.com/office/powerpoint/2010/main" Requires="p14">
+        <mc:AlternateContent xmlns:mc="http://schemas.openxmlformats.org/markup-compatibility/2006" xmlns:p14="http://schemas.microsoft.com/office/powerpoint/2010/main">
+          <mc:Choice Requires="p14">
             <p:contentPart p14:bwMode="auto" r:id="rId11">
               <p14:nvContentPartPr>
                 <p14:cNvPr id="6" name="Ink 5">
@@ -13022,7 +13022,7 @@
               </p14:xfrm>
             </p:contentPart>
           </mc:Choice>
-          <mc:Fallback>
+          <mc:Fallback xmlns="">
             <p:pic>
               <p:nvPicPr>
                 <p:cNvPr id="6" name="Ink 5">
@@ -13053,8 +13053,8 @@
             </p:pic>
           </mc:Fallback>
         </mc:AlternateContent>
-        <mc:AlternateContent xmlns:mc="http://schemas.openxmlformats.org/markup-compatibility/2006">
-          <mc:Choice xmlns:p14="http://schemas.microsoft.com/office/powerpoint/2010/main" Requires="p14">
+        <mc:AlternateContent xmlns:mc="http://schemas.openxmlformats.org/markup-compatibility/2006" xmlns:p14="http://schemas.microsoft.com/office/powerpoint/2010/main">
+          <mc:Choice Requires="p14">
             <p:contentPart p14:bwMode="auto" r:id="rId13">
               <p14:nvContentPartPr>
                 <p14:cNvPr id="8" name="Ink 7">
@@ -13073,7 +13073,7 @@
               </p14:xfrm>
             </p:contentPart>
           </mc:Choice>
-          <mc:Fallback>
+          <mc:Fallback xmlns="">
             <p:pic>
               <p:nvPicPr>
                 <p:cNvPr id="8" name="Ink 7">
@@ -13104,8 +13104,8 @@
             </p:pic>
           </mc:Fallback>
         </mc:AlternateContent>
-        <mc:AlternateContent xmlns:mc="http://schemas.openxmlformats.org/markup-compatibility/2006">
-          <mc:Choice xmlns:p14="http://schemas.microsoft.com/office/powerpoint/2010/main" Requires="p14">
+        <mc:AlternateContent xmlns:mc="http://schemas.openxmlformats.org/markup-compatibility/2006" xmlns:p14="http://schemas.microsoft.com/office/powerpoint/2010/main">
+          <mc:Choice Requires="p14">
             <p:contentPart p14:bwMode="auto" r:id="rId15">
               <p14:nvContentPartPr>
                 <p14:cNvPr id="9" name="Ink 8">
@@ -13124,7 +13124,7 @@
               </p14:xfrm>
             </p:contentPart>
           </mc:Choice>
-          <mc:Fallback>
+          <mc:Fallback xmlns="">
             <p:pic>
               <p:nvPicPr>
                 <p:cNvPr id="9" name="Ink 8">
@@ -13155,8 +13155,8 @@
             </p:pic>
           </mc:Fallback>
         </mc:AlternateContent>
-        <mc:AlternateContent xmlns:mc="http://schemas.openxmlformats.org/markup-compatibility/2006">
-          <mc:Choice xmlns:p14="http://schemas.microsoft.com/office/powerpoint/2010/main" Requires="p14">
+        <mc:AlternateContent xmlns:mc="http://schemas.openxmlformats.org/markup-compatibility/2006" xmlns:p14="http://schemas.microsoft.com/office/powerpoint/2010/main">
+          <mc:Choice Requires="p14">
             <p:contentPart p14:bwMode="auto" r:id="rId17">
               <p14:nvContentPartPr>
                 <p14:cNvPr id="10" name="Ink 9">
@@ -13175,7 +13175,7 @@
               </p14:xfrm>
             </p:contentPart>
           </mc:Choice>
-          <mc:Fallback>
+          <mc:Fallback xmlns="">
             <p:pic>
               <p:nvPicPr>
                 <p:cNvPr id="10" name="Ink 9">
@@ -13206,8 +13206,8 @@
             </p:pic>
           </mc:Fallback>
         </mc:AlternateContent>
-        <mc:AlternateContent xmlns:mc="http://schemas.openxmlformats.org/markup-compatibility/2006">
-          <mc:Choice xmlns:p14="http://schemas.microsoft.com/office/powerpoint/2010/main" Requires="p14">
+        <mc:AlternateContent xmlns:mc="http://schemas.openxmlformats.org/markup-compatibility/2006" xmlns:p14="http://schemas.microsoft.com/office/powerpoint/2010/main">
+          <mc:Choice Requires="p14">
             <p:contentPart p14:bwMode="auto" r:id="rId19">
               <p14:nvContentPartPr>
                 <p14:cNvPr id="11" name="Ink 10">
@@ -13226,7 +13226,7 @@
               </p14:xfrm>
             </p:contentPart>
           </mc:Choice>
-          <mc:Fallback>
+          <mc:Fallback xmlns="">
             <p:pic>
               <p:nvPicPr>
                 <p:cNvPr id="11" name="Ink 10">
@@ -16124,6 +16124,9 @@
                 <a:solidFill>
                   <a:schemeClr val="dk1"/>
                 </a:solidFill>
+                <a:highlight>
+                  <a:srgbClr val="FFFF00"/>
+                </a:highlight>
                 <a:latin typeface="Times"/>
                 <a:ea typeface="Times"/>
                 <a:cs typeface="Times"/>
@@ -16131,7 +16134,11 @@
               </a:rPr>
               <a:t>Database State: </a:t>
             </a:r>
-            <a:endParaRPr dirty="0"/>
+            <a:endParaRPr dirty="0">
+              <a:highlight>
+                <a:srgbClr val="FFFF00"/>
+              </a:highlight>
+            </a:endParaRPr>
           </a:p>
           <a:p>
             <a:pPr marL="800100" marR="0" lvl="1" indent="-342900" algn="l" rtl="0">
@@ -16149,6 +16156,9 @@
                 <a:solidFill>
                   <a:schemeClr val="dk1"/>
                 </a:solidFill>
+                <a:highlight>
+                  <a:srgbClr val="FFFF00"/>
+                </a:highlight>
                 <a:latin typeface="Times"/>
                 <a:ea typeface="Times"/>
                 <a:cs typeface="Times"/>
@@ -16156,7 +16166,11 @@
               </a:rPr>
               <a:t>Refers to the content of a database at a moment in time.</a:t>
             </a:r>
-            <a:endParaRPr dirty="0"/>
+            <a:endParaRPr dirty="0">
+              <a:highlight>
+                <a:srgbClr val="FFFF00"/>
+              </a:highlight>
+            </a:endParaRPr>
           </a:p>
           <a:p>
             <a:pPr marL="342900" marR="0" lvl="0" indent="-342900" algn="l" rtl="0">
@@ -16174,6 +16188,9 @@
                 <a:solidFill>
                   <a:schemeClr val="dk1"/>
                 </a:solidFill>
+                <a:highlight>
+                  <a:srgbClr val="FFFF00"/>
+                </a:highlight>
                 <a:latin typeface="Times"/>
                 <a:ea typeface="Times"/>
                 <a:cs typeface="Times"/>
@@ -16181,7 +16198,11 @@
               </a:rPr>
               <a:t>Initial Database State:</a:t>
             </a:r>
-            <a:endParaRPr dirty="0"/>
+            <a:endParaRPr dirty="0">
+              <a:highlight>
+                <a:srgbClr val="FFFF00"/>
+              </a:highlight>
+            </a:endParaRPr>
           </a:p>
           <a:p>
             <a:pPr marL="800100" marR="0" lvl="1" indent="-342900" algn="l" rtl="0">
@@ -16199,6 +16220,9 @@
                 <a:solidFill>
                   <a:schemeClr val="dk1"/>
                 </a:solidFill>
+                <a:highlight>
+                  <a:srgbClr val="FFFF00"/>
+                </a:highlight>
                 <a:latin typeface="Times"/>
                 <a:ea typeface="Times"/>
                 <a:cs typeface="Times"/>
@@ -16206,7 +16230,11 @@
               </a:rPr>
               <a:t>Refers to the database state when it is initially loaded into the system.</a:t>
             </a:r>
-            <a:endParaRPr dirty="0"/>
+            <a:endParaRPr dirty="0">
+              <a:highlight>
+                <a:srgbClr val="FFFF00"/>
+              </a:highlight>
+            </a:endParaRPr>
           </a:p>
           <a:p>
             <a:pPr marL="342900" marR="0" lvl="0" indent="-342900" algn="l" rtl="0">
@@ -16224,6 +16252,9 @@
                 <a:solidFill>
                   <a:schemeClr val="dk1"/>
                 </a:solidFill>
+                <a:highlight>
+                  <a:srgbClr val="FFFF00"/>
+                </a:highlight>
                 <a:latin typeface="Times"/>
                 <a:ea typeface="Times"/>
                 <a:cs typeface="Times"/>
@@ -16231,7 +16262,11 @@
               </a:rPr>
               <a:t>Valid State:</a:t>
             </a:r>
-            <a:endParaRPr dirty="0"/>
+            <a:endParaRPr dirty="0">
+              <a:highlight>
+                <a:srgbClr val="FFFF00"/>
+              </a:highlight>
+            </a:endParaRPr>
           </a:p>
           <a:p>
             <a:pPr marL="800100" marR="0" lvl="1" indent="-342900" algn="l" rtl="0">
@@ -16249,6 +16284,9 @@
                 <a:solidFill>
                   <a:schemeClr val="dk1"/>
                 </a:solidFill>
+                <a:highlight>
+                  <a:srgbClr val="FFFF00"/>
+                </a:highlight>
                 <a:latin typeface="Times"/>
                 <a:ea typeface="Times"/>
                 <a:cs typeface="Times"/>
@@ -16256,7 +16294,11 @@
               </a:rPr>
               <a:t>A state that satisfies the structure and constraints of the database.</a:t>
             </a:r>
-            <a:endParaRPr dirty="0"/>
+            <a:endParaRPr dirty="0">
+              <a:highlight>
+                <a:srgbClr val="FFFF00"/>
+              </a:highlight>
+            </a:endParaRPr>
           </a:p>
           <a:p>
             <a:pPr marL="342900" marR="0" lvl="0" indent="-342900" algn="l" rtl="0">
@@ -18823,10 +18865,18 @@
               <a:buChar char="•"/>
             </a:pPr>
             <a:r>
-              <a:rPr lang="en-US" dirty="0"/>
+              <a:rPr lang="en-US" dirty="0">
+                <a:highlight>
+                  <a:srgbClr val="FFFF00"/>
+                </a:highlight>
+              </a:rPr>
               <a:t>Coordinates all activities related to database systems</a:t>
             </a:r>
-            <a:endParaRPr dirty="0"/>
+            <a:endParaRPr dirty="0">
+              <a:highlight>
+                <a:srgbClr val="FFFF00"/>
+              </a:highlight>
+            </a:endParaRPr>
           </a:p>
           <a:p>
             <a:pPr marL="228600" lvl="0" indent="-228600" algn="l" rtl="0">
@@ -18846,10 +18896,18 @@
               <a:buChar char="•"/>
             </a:pPr>
             <a:r>
-              <a:rPr lang="en-US" dirty="0"/>
+              <a:rPr lang="en-US" dirty="0">
+                <a:highlight>
+                  <a:srgbClr val="FFFF00"/>
+                </a:highlight>
+              </a:rPr>
               <a:t>Has good understanding of the enterprise’s information </a:t>
             </a:r>
-            <a:endParaRPr dirty="0"/>
+            <a:endParaRPr dirty="0">
+              <a:highlight>
+                <a:srgbClr val="FFFF00"/>
+              </a:highlight>
+            </a:endParaRPr>
           </a:p>
           <a:p>
             <a:pPr marL="228600" lvl="0" indent="-228600" algn="l" rtl="0">
@@ -19694,25 +19752,41 @@
           </a:p>
           <a:p>
             <a:r>
-              <a:rPr lang="en-US" dirty="0"/>
+              <a:rPr lang="en-US" dirty="0">
+                <a:highlight>
+                  <a:srgbClr val="FFFF00"/>
+                </a:highlight>
+              </a:rPr>
               <a:t>Identifying the data to be stored in the database.</a:t>
             </a:r>
           </a:p>
           <a:p>
             <a:r>
-              <a:rPr lang="en-US" dirty="0"/>
+              <a:rPr lang="en-US" dirty="0">
+                <a:highlight>
+                  <a:srgbClr val="FFFF00"/>
+                </a:highlight>
+              </a:rPr>
               <a:t>Communicating with database users , understand their requirements and design database.</a:t>
             </a:r>
           </a:p>
           <a:p>
             <a:r>
-              <a:rPr lang="en-US" dirty="0"/>
+              <a:rPr lang="en-US" dirty="0">
+                <a:highlight>
+                  <a:srgbClr val="FFFF00"/>
+                </a:highlight>
+              </a:rPr>
               <a:t>Database designers create the structure of the database, such as the schema, tables, relationships, and constraints. </a:t>
             </a:r>
           </a:p>
           <a:p>
             <a:r>
-              <a:rPr lang="en-US" dirty="0"/>
+              <a:rPr lang="en-US" dirty="0">
+                <a:highlight>
+                  <a:srgbClr val="FFFF00"/>
+                </a:highlight>
+              </a:rPr>
               <a:t>They ensure that the database is optimized for performance and can handle the required data efficiently.</a:t>
             </a:r>
           </a:p>
@@ -22506,10 +22580,17 @@
                 <a:solidFill>
                   <a:srgbClr val="2F5496"/>
                 </a:solidFill>
+                <a:highlight>
+                  <a:srgbClr val="FFFF00"/>
+                </a:highlight>
               </a:rPr>
               <a:t>System designers and implementors: </a:t>
             </a:r>
-            <a:endParaRPr dirty="0"/>
+            <a:endParaRPr dirty="0">
+              <a:highlight>
+                <a:srgbClr val="FFFF00"/>
+              </a:highlight>
+            </a:endParaRPr>
           </a:p>
           <a:p>
             <a:pPr marL="685800" lvl="1" indent="-228600" algn="l" rtl="0">
@@ -22529,7 +22610,11 @@
               <a:buChar char="•"/>
             </a:pPr>
             <a:r>
-              <a:rPr lang="en-US" dirty="0"/>
+              <a:rPr lang="en-US" dirty="0">
+                <a:highlight>
+                  <a:srgbClr val="FFFF00"/>
+                </a:highlight>
+              </a:rPr>
               <a:t>Design and implement DBMS packages in the form of modules and interfaces and test and debug them. </a:t>
             </a:r>
           </a:p>
@@ -22551,10 +22636,18 @@
               <a:buChar char="•"/>
             </a:pPr>
             <a:r>
-              <a:rPr lang="en-US" dirty="0"/>
+              <a:rPr lang="en-US" dirty="0">
+                <a:highlight>
+                  <a:srgbClr val="FFFF00"/>
+                </a:highlight>
+              </a:rPr>
               <a:t>The DBMS must interface with applications, language compilers, operating system components, etc.</a:t>
             </a:r>
-            <a:endParaRPr dirty="0"/>
+            <a:endParaRPr dirty="0">
+              <a:highlight>
+                <a:srgbClr val="FFFF00"/>
+              </a:highlight>
+            </a:endParaRPr>
           </a:p>
           <a:p>
             <a:pPr marL="228600" lvl="0" indent="-228600" algn="l" rtl="0">
@@ -22578,6 +22671,9 @@
                 <a:solidFill>
                   <a:srgbClr val="2F5496"/>
                 </a:solidFill>
+                <a:highlight>
+                  <a:srgbClr val="FFFF00"/>
+                </a:highlight>
               </a:rPr>
               <a:t>Tool developers</a:t>
             </a:r>
@@ -22586,10 +22682,17 @@
                 <a:solidFill>
                   <a:srgbClr val="2F5496"/>
                 </a:solidFill>
+                <a:highlight>
+                  <a:srgbClr val="FFFF00"/>
+                </a:highlight>
               </a:rPr>
               <a:t>: </a:t>
             </a:r>
-            <a:endParaRPr dirty="0"/>
+            <a:endParaRPr dirty="0">
+              <a:highlight>
+                <a:srgbClr val="FFFF00"/>
+              </a:highlight>
+            </a:endParaRPr>
           </a:p>
           <a:p>
             <a:pPr marL="685800" lvl="1" indent="-228600" algn="l" rtl="0">
@@ -22609,10 +22712,18 @@
               <a:buChar char="•"/>
             </a:pPr>
             <a:r>
-              <a:rPr lang="en-US" dirty="0"/>
+              <a:rPr lang="en-US" dirty="0">
+                <a:highlight>
+                  <a:srgbClr val="FFFF00"/>
+                </a:highlight>
+              </a:rPr>
               <a:t>Design and implement software systems called  tools for modeling and designing databases, performance monitoring, prototyping, test data generation, user interface creation, simulation etc. that facilitate building of applications and allow using database effectively.  </a:t>
             </a:r>
-            <a:endParaRPr dirty="0"/>
+            <a:endParaRPr dirty="0">
+              <a:highlight>
+                <a:srgbClr val="FFFF00"/>
+              </a:highlight>
+            </a:endParaRPr>
           </a:p>
           <a:p>
             <a:pPr marL="228600" lvl="0" indent="-228600" algn="l" rtl="0">
@@ -22636,6 +22747,9 @@
                 <a:solidFill>
                   <a:srgbClr val="2F5496"/>
                 </a:solidFill>
+                <a:highlight>
+                  <a:srgbClr val="FFFF00"/>
+                </a:highlight>
               </a:rPr>
               <a:t>Operators and maintenance personnel</a:t>
             </a:r>
@@ -22644,10 +22758,17 @@
                 <a:solidFill>
                   <a:srgbClr val="2F5496"/>
                 </a:solidFill>
+                <a:highlight>
+                  <a:srgbClr val="FFFF00"/>
+                </a:highlight>
               </a:rPr>
               <a:t>: </a:t>
             </a:r>
-            <a:endParaRPr dirty="0"/>
+            <a:endParaRPr dirty="0">
+              <a:highlight>
+                <a:srgbClr val="FFFF00"/>
+              </a:highlight>
+            </a:endParaRPr>
           </a:p>
           <a:p>
             <a:pPr marL="685800" lvl="1" indent="-228600" algn="l" rtl="0">
@@ -22667,10 +22788,18 @@
               <a:buChar char="•"/>
             </a:pPr>
             <a:r>
-              <a:rPr lang="en-US" dirty="0"/>
+              <a:rPr lang="en-US" dirty="0">
+                <a:highlight>
+                  <a:srgbClr val="FFFF00"/>
+                </a:highlight>
+              </a:rPr>
               <a:t>They manage the actual running and maintenance of the database system hardware and software environment.</a:t>
             </a:r>
-            <a:endParaRPr dirty="0"/>
+            <a:endParaRPr dirty="0">
+              <a:highlight>
+                <a:srgbClr val="FFFF00"/>
+              </a:highlight>
+            </a:endParaRPr>
           </a:p>
           <a:p>
             <a:pPr marL="685800" lvl="1" indent="-76200" algn="l" rtl="0">
@@ -26267,6 +26396,9 @@
                   <a:srgbClr val="484848"/>
                 </a:solidFill>
                 <a:effectLst/>
+                <a:highlight>
+                  <a:srgbClr val="FFFF00"/>
+                </a:highlight>
                 <a:latin typeface="Inter"/>
               </a:rPr>
               <a:t>Physical or Internal Level - </a:t>
@@ -26283,6 +26415,9 @@
                   <a:srgbClr val="484848"/>
                 </a:solidFill>
                 <a:effectLst/>
+                <a:highlight>
+                  <a:srgbClr val="FFFF00"/>
+                </a:highlight>
                 <a:latin typeface="Inter"/>
               </a:rPr>
               <a:t>Physical level is the lowest level of data abstraction, and It indicates </a:t>
@@ -26292,6 +26427,9 @@
                 <a:solidFill>
                   <a:srgbClr val="0073E6"/>
                 </a:solidFill>
+                <a:highlight>
+                  <a:srgbClr val="FFFF00"/>
+                </a:highlight>
                 <a:latin typeface="Inter"/>
               </a:rPr>
               <a:t>how the data will be stored and describes the complex data structures and access methods </a:t>
@@ -26302,6 +26440,9 @@
                   <a:srgbClr val="484848"/>
                 </a:solidFill>
                 <a:effectLst/>
+                <a:highlight>
+                  <a:srgbClr val="FFFF00"/>
+                </a:highlight>
                 <a:latin typeface="Inter"/>
               </a:rPr>
               <a:t>to be used by the database. </a:t>
@@ -26318,6 +26459,9 @@
                   <a:srgbClr val="484848"/>
                 </a:solidFill>
                 <a:effectLst/>
+                <a:highlight>
+                  <a:srgbClr val="FFFF00"/>
+                </a:highlight>
                 <a:latin typeface="Inter"/>
               </a:rPr>
               <a:t>The internal level is used to describe the entire database architecture.</a:t>
@@ -26334,6 +26478,9 @@
                   <a:srgbClr val="484848"/>
                 </a:solidFill>
                 <a:effectLst/>
+                <a:highlight>
+                  <a:srgbClr val="FFFF00"/>
+                </a:highlight>
                 <a:latin typeface="Inter"/>
               </a:rPr>
               <a:t>Conceptual or Logical Level - </a:t>
@@ -26350,6 +26497,9 @@
                   <a:srgbClr val="484848"/>
                 </a:solidFill>
                 <a:effectLst/>
+                <a:highlight>
+                  <a:srgbClr val="FFFF00"/>
+                </a:highlight>
                 <a:latin typeface="Inter"/>
               </a:rPr>
               <a:t>The separation of the conceptual view from the internal view enables us to provide a </a:t>
@@ -26359,6 +26509,9 @@
                 <a:solidFill>
                   <a:srgbClr val="0073E6"/>
                 </a:solidFill>
+                <a:highlight>
+                  <a:srgbClr val="FFFF00"/>
+                </a:highlight>
                 <a:latin typeface="Inter"/>
               </a:rPr>
               <a:t>logical description of the database </a:t>
@@ -26369,6 +26522,9 @@
                   <a:srgbClr val="484848"/>
                 </a:solidFill>
                 <a:effectLst/>
+                <a:highlight>
+                  <a:srgbClr val="FFFF00"/>
+                </a:highlight>
                 <a:latin typeface="Inter"/>
               </a:rPr>
               <a:t>concepts without the need to specify physical structures. </a:t>
@@ -26385,6 +26541,9 @@
                   <a:srgbClr val="484848"/>
                 </a:solidFill>
                 <a:effectLst/>
+                <a:highlight>
+                  <a:srgbClr val="FFFF00"/>
+                </a:highlight>
                 <a:latin typeface="Inter"/>
               </a:rPr>
               <a:t>The conceptual level comes between the physical level and the view level. </a:t>
@@ -26401,6 +26560,9 @@
                   <a:srgbClr val="484848"/>
                 </a:solidFill>
                 <a:effectLst/>
+                <a:highlight>
+                  <a:srgbClr val="FFFF00"/>
+                </a:highlight>
                 <a:latin typeface="Inter"/>
               </a:rPr>
               <a:t>It provides the link between the external schema and the internal schema of the database.</a:t>
@@ -26417,6 +26579,9 @@
                   <a:srgbClr val="484848"/>
                 </a:solidFill>
                 <a:effectLst/>
+                <a:highlight>
+                  <a:srgbClr val="FFFF00"/>
+                </a:highlight>
                 <a:latin typeface="Inter"/>
               </a:rPr>
               <a:t>External or View Level - </a:t>
@@ -26427,6 +26592,9 @@
                   <a:srgbClr val="484848"/>
                 </a:solidFill>
                 <a:effectLst/>
+                <a:highlight>
+                  <a:srgbClr val="FFFF00"/>
+                </a:highlight>
                 <a:latin typeface="Inter"/>
               </a:rPr>
               <a:t>It is the highest level of data abstraction. </a:t>
@@ -26443,6 +26611,9 @@
                   <a:srgbClr val="484848"/>
                 </a:solidFill>
                 <a:effectLst/>
+                <a:highlight>
+                  <a:srgbClr val="FFFF00"/>
+                </a:highlight>
                 <a:latin typeface="Inter"/>
               </a:rPr>
               <a:t>The external level describes the user interaction with the centralized database management system. </a:t>
@@ -26459,6 +26630,9 @@
                   <a:srgbClr val="484848"/>
                 </a:solidFill>
                 <a:effectLst/>
+                <a:highlight>
+                  <a:srgbClr val="FFFF00"/>
+                </a:highlight>
                 <a:latin typeface="Inter"/>
               </a:rPr>
               <a:t>This level is used to provide a </a:t>
@@ -26469,6 +26643,9 @@
                   <a:srgbClr val="0073E6"/>
                 </a:solidFill>
                 <a:effectLst/>
+                <a:highlight>
+                  <a:srgbClr val="FFFF00"/>
+                </a:highlight>
                 <a:latin typeface="Inter"/>
               </a:rPr>
               <a:t>Graphical User Interface</a:t>
@@ -26479,13 +26656,20 @@
                   <a:srgbClr val="484848"/>
                 </a:solidFill>
                 <a:effectLst/>
+                <a:highlight>
+                  <a:srgbClr val="FFFF00"/>
+                </a:highlight>
                 <a:latin typeface="Inter"/>
               </a:rPr>
               <a:t> to the user, and the user does not know about the file structure, access method, and other internal details of the database.</a:t>
             </a:r>
           </a:p>
           <a:p>
-            <a:endParaRPr lang="en-US" dirty="0"/>
+            <a:endParaRPr lang="en-US" dirty="0">
+              <a:highlight>
+                <a:srgbClr val="FFFF00"/>
+              </a:highlight>
+            </a:endParaRPr>
           </a:p>
         </p:txBody>
       </p:sp>
@@ -30778,6 +30962,9 @@
                 <a:solidFill>
                   <a:schemeClr val="dk1"/>
                 </a:solidFill>
+                <a:highlight>
+                  <a:srgbClr val="FFFF00"/>
+                </a:highlight>
                 <a:latin typeface="Times New Roman"/>
                 <a:ea typeface="Times New Roman"/>
                 <a:cs typeface="Times New Roman"/>
@@ -30790,6 +30977,9 @@
                 <a:solidFill>
                   <a:schemeClr val="dk1"/>
                 </a:solidFill>
+                <a:highlight>
+                  <a:srgbClr val="FFFF00"/>
+                </a:highlight>
                 <a:latin typeface="Times New Roman"/>
                 <a:ea typeface="Times New Roman"/>
                 <a:cs typeface="Times New Roman"/>
@@ -30802,6 +30992,9 @@
                 <a:solidFill>
                   <a:schemeClr val="dk1"/>
                 </a:solidFill>
+                <a:highlight>
+                  <a:srgbClr val="FFFF00"/>
+                </a:highlight>
                 <a:latin typeface="Times New Roman"/>
                 <a:ea typeface="Times New Roman"/>
                 <a:cs typeface="Times New Roman"/>
@@ -30826,6 +31019,9 @@
                 <a:solidFill>
                   <a:schemeClr val="dk1"/>
                 </a:solidFill>
+                <a:highlight>
+                  <a:srgbClr val="FFFF00"/>
+                </a:highlight>
                 <a:latin typeface="Times New Roman"/>
                 <a:ea typeface="Times New Roman"/>
                 <a:cs typeface="Times New Roman"/>
@@ -30838,6 +31034,9 @@
                 <a:solidFill>
                   <a:schemeClr val="dk1"/>
                 </a:solidFill>
+                <a:highlight>
+                  <a:srgbClr val="FFFF00"/>
+                </a:highlight>
                 <a:latin typeface="Times New Roman"/>
                 <a:ea typeface="Times New Roman"/>
                 <a:cs typeface="Times New Roman"/>
@@ -30849,6 +31048,9 @@
               <a:solidFill>
                 <a:schemeClr val="dk1"/>
               </a:solidFill>
+              <a:highlight>
+                <a:srgbClr val="FFFF00"/>
+              </a:highlight>
               <a:latin typeface="Times New Roman"/>
               <a:ea typeface="Times New Roman"/>
               <a:cs typeface="Times New Roman"/>
@@ -30865,6 +31067,9 @@
                 <a:solidFill>
                   <a:schemeClr val="dk1"/>
                 </a:solidFill>
+                <a:highlight>
+                  <a:srgbClr val="FFFF00"/>
+                </a:highlight>
                 <a:latin typeface="Times New Roman"/>
                 <a:ea typeface="Times New Roman"/>
                 <a:cs typeface="Times New Roman"/>
@@ -30877,6 +31082,9 @@
                 <a:solidFill>
                   <a:schemeClr val="dk1"/>
                 </a:solidFill>
+                <a:highlight>
+                  <a:srgbClr val="FFFF00"/>
+                </a:highlight>
                 <a:latin typeface="Times New Roman"/>
                 <a:ea typeface="Times New Roman"/>
                 <a:cs typeface="Times New Roman"/>
@@ -30889,6 +31097,9 @@
                 <a:solidFill>
                   <a:schemeClr val="dk1"/>
                 </a:solidFill>
+                <a:highlight>
+                  <a:srgbClr val="FFFF00"/>
+                </a:highlight>
                 <a:latin typeface="Times New Roman"/>
                 <a:ea typeface="Times New Roman"/>
                 <a:cs typeface="Times New Roman"/>
@@ -30897,6 +31108,9 @@
               <a:t> data model.</a:t>
             </a:r>
             <a:endParaRPr lang="en-US" dirty="0">
+              <a:highlight>
+                <a:srgbClr val="FFFF00"/>
+              </a:highlight>
               <a:sym typeface="Times New Roman"/>
             </a:endParaRPr>
           </a:p>
@@ -30916,6 +31130,9 @@
                 <a:solidFill>
                   <a:schemeClr val="dk1"/>
                 </a:solidFill>
+                <a:highlight>
+                  <a:srgbClr val="FFFF00"/>
+                </a:highlight>
                 <a:latin typeface="Times New Roman"/>
                 <a:ea typeface="Times New Roman"/>
                 <a:cs typeface="Times New Roman"/>
@@ -30928,6 +31145,9 @@
                 <a:solidFill>
                   <a:schemeClr val="dk1"/>
                 </a:solidFill>
+                <a:highlight>
+                  <a:srgbClr val="FFFF00"/>
+                </a:highlight>
                 <a:latin typeface="Times New Roman"/>
                 <a:ea typeface="Times New Roman"/>
                 <a:cs typeface="Times New Roman"/>
@@ -30939,6 +31159,9 @@
               <a:solidFill>
                 <a:schemeClr val="dk1"/>
               </a:solidFill>
+              <a:highlight>
+                <a:srgbClr val="FFFF00"/>
+              </a:highlight>
               <a:latin typeface="Times New Roman"/>
               <a:ea typeface="Times New Roman"/>
               <a:cs typeface="Times New Roman"/>
@@ -30955,6 +31178,9 @@
                 <a:solidFill>
                   <a:schemeClr val="dk1"/>
                 </a:solidFill>
+                <a:highlight>
+                  <a:srgbClr val="FFFF00"/>
+                </a:highlight>
                 <a:latin typeface="Times New Roman"/>
                 <a:ea typeface="Times New Roman"/>
                 <a:cs typeface="Times New Roman"/>
@@ -30967,6 +31193,9 @@
                 <a:solidFill>
                   <a:schemeClr val="dk1"/>
                 </a:solidFill>
+                <a:highlight>
+                  <a:srgbClr val="FFFF00"/>
+                </a:highlight>
                 <a:latin typeface="Times New Roman"/>
                 <a:ea typeface="Times New Roman"/>
                 <a:cs typeface="Times New Roman"/>
@@ -30979,6 +31208,9 @@
                 <a:solidFill>
                   <a:schemeClr val="dk1"/>
                 </a:solidFill>
+                <a:highlight>
+                  <a:srgbClr val="FFFF00"/>
+                </a:highlight>
                 <a:latin typeface="Times New Roman"/>
                 <a:ea typeface="Times New Roman"/>
                 <a:cs typeface="Times New Roman"/>
@@ -30991,6 +31223,9 @@
                 <a:solidFill>
                   <a:schemeClr val="dk1"/>
                 </a:solidFill>
+                <a:highlight>
+                  <a:srgbClr val="FFFF00"/>
+                </a:highlight>
                 <a:latin typeface="Times New Roman"/>
                 <a:ea typeface="Times New Roman"/>
                 <a:cs typeface="Times New Roman"/>
@@ -31003,6 +31238,9 @@
                 <a:solidFill>
                   <a:schemeClr val="dk1"/>
                 </a:solidFill>
+                <a:highlight>
+                  <a:srgbClr val="FFFF00"/>
+                </a:highlight>
                 <a:latin typeface="Times New Roman"/>
                 <a:ea typeface="Times New Roman"/>
                 <a:cs typeface="Times New Roman"/>
@@ -31011,6 +31249,9 @@
               <a:t> data model.</a:t>
             </a:r>
             <a:endParaRPr lang="en-US" dirty="0">
+              <a:highlight>
+                <a:srgbClr val="FFFF00"/>
+              </a:highlight>
               <a:sym typeface="Times New Roman"/>
             </a:endParaRPr>
           </a:p>
@@ -31030,6 +31271,9 @@
                 <a:solidFill>
                   <a:schemeClr val="dk1"/>
                 </a:solidFill>
+                <a:highlight>
+                  <a:srgbClr val="FFFF00"/>
+                </a:highlight>
                 <a:latin typeface="Times New Roman"/>
                 <a:ea typeface="Times New Roman"/>
                 <a:cs typeface="Times New Roman"/>
@@ -31042,6 +31286,9 @@
                 <a:solidFill>
                   <a:schemeClr val="dk1"/>
                 </a:solidFill>
+                <a:highlight>
+                  <a:srgbClr val="FFFF00"/>
+                </a:highlight>
                 <a:latin typeface="Times New Roman"/>
                 <a:ea typeface="Times New Roman"/>
                 <a:cs typeface="Times New Roman"/>
@@ -31053,6 +31300,9 @@
               <a:solidFill>
                 <a:schemeClr val="dk1"/>
               </a:solidFill>
+              <a:highlight>
+                <a:srgbClr val="FFFF00"/>
+              </a:highlight>
               <a:latin typeface="Times New Roman"/>
               <a:ea typeface="Times New Roman"/>
               <a:cs typeface="Times New Roman"/>
@@ -31069,6 +31319,9 @@
                 <a:solidFill>
                   <a:schemeClr val="dk1"/>
                 </a:solidFill>
+                <a:highlight>
+                  <a:srgbClr val="FFFF00"/>
+                </a:highlight>
                 <a:latin typeface="Times New Roman"/>
                 <a:ea typeface="Times New Roman"/>
                 <a:cs typeface="Times New Roman"/>
@@ -31076,7 +31329,11 @@
               </a:rPr>
               <a:t>Usually uses the same data model as the conceptual schema.</a:t>
             </a:r>
-            <a:endParaRPr dirty="0"/>
+            <a:endParaRPr dirty="0">
+              <a:highlight>
+                <a:srgbClr val="FFFF00"/>
+              </a:highlight>
+            </a:endParaRPr>
           </a:p>
           <a:p>
             <a:pPr marL="457200" marR="0" lvl="1" indent="0" algn="l" rtl="0">
@@ -31092,6 +31349,9 @@
               <a:solidFill>
                 <a:schemeClr val="dk1"/>
               </a:solidFill>
+              <a:highlight>
+                <a:srgbClr val="FFFF00"/>
+              </a:highlight>
               <a:latin typeface="Times"/>
               <a:ea typeface="Times"/>
               <a:cs typeface="Times"/>
@@ -33730,10 +33990,13 @@
               <a:buChar char="•"/>
             </a:pPr>
             <a:r>
-              <a:rPr lang="en-US" sz="2400" b="1">
+              <a:rPr lang="en-US" sz="2400" b="1" dirty="0">
                 <a:solidFill>
                   <a:srgbClr val="333399"/>
                 </a:solidFill>
+                <a:highlight>
+                  <a:srgbClr val="FFFF00"/>
+                </a:highlight>
                 <a:latin typeface="Arial"/>
                 <a:ea typeface="Arial"/>
                 <a:cs typeface="Arial"/>
@@ -33741,10 +34004,13 @@
               </a:rPr>
               <a:t>Data Model:</a:t>
             </a:r>
-            <a:endParaRPr sz="1440" b="1">
+            <a:endParaRPr sz="1440" b="1" dirty="0">
               <a:solidFill>
                 <a:srgbClr val="990033"/>
               </a:solidFill>
+              <a:highlight>
+                <a:srgbClr val="FFFF00"/>
+              </a:highlight>
               <a:latin typeface="Noto Sans Symbols"/>
               <a:ea typeface="Noto Sans Symbols"/>
               <a:cs typeface="Noto Sans Symbols"/>
@@ -33767,10 +34033,13 @@
               <a:buChar char="•"/>
             </a:pPr>
             <a:r>
-              <a:rPr lang="en-US" sz="2200" b="0" i="0" u="none" strike="noStrike" cap="none">
+              <a:rPr lang="en-US" sz="2200" b="0" i="0" u="none" strike="noStrike" cap="none" dirty="0">
                 <a:solidFill>
                   <a:schemeClr val="dk1"/>
                 </a:solidFill>
+                <a:highlight>
+                  <a:srgbClr val="FFFF00"/>
+                </a:highlight>
                 <a:latin typeface="Arial"/>
                 <a:ea typeface="Arial"/>
                 <a:cs typeface="Arial"/>
@@ -33779,10 +34048,13 @@
               <a:t>A set of concepts to describe the </a:t>
             </a:r>
             <a:r>
-              <a:rPr lang="en-US" sz="2200" b="1" i="1" u="none" strike="noStrike" cap="none">
+              <a:rPr lang="en-US" sz="2200" b="1" i="1" u="none" strike="noStrike" cap="none" dirty="0">
                 <a:solidFill>
                   <a:schemeClr val="dk1"/>
                 </a:solidFill>
+                <a:highlight>
+                  <a:srgbClr val="FFFF00"/>
+                </a:highlight>
                 <a:latin typeface="Arial"/>
                 <a:ea typeface="Arial"/>
                 <a:cs typeface="Arial"/>
@@ -33791,10 +34063,13 @@
               <a:t>structure</a:t>
             </a:r>
             <a:r>
-              <a:rPr lang="en-US" sz="2200" b="0" i="0" u="none" strike="noStrike" cap="none">
+              <a:rPr lang="en-US" sz="2200" b="0" i="0" u="none" strike="noStrike" cap="none" dirty="0">
                 <a:solidFill>
                   <a:schemeClr val="dk1"/>
                 </a:solidFill>
+                <a:highlight>
+                  <a:srgbClr val="FFFF00"/>
+                </a:highlight>
                 <a:latin typeface="Arial"/>
                 <a:ea typeface="Arial"/>
                 <a:cs typeface="Arial"/>
@@ -33803,10 +34078,13 @@
               <a:t> of a database, the </a:t>
             </a:r>
             <a:r>
-              <a:rPr lang="en-US" sz="2200" b="1" i="1" u="none" strike="noStrike" cap="none">
+              <a:rPr lang="en-US" sz="2200" b="1" i="1" u="none" strike="noStrike" cap="none" dirty="0">
                 <a:solidFill>
                   <a:schemeClr val="dk1"/>
                 </a:solidFill>
+                <a:highlight>
+                  <a:srgbClr val="FFFF00"/>
+                </a:highlight>
                 <a:latin typeface="Arial"/>
                 <a:ea typeface="Arial"/>
                 <a:cs typeface="Arial"/>
@@ -33815,10 +34093,13 @@
               <a:t>operations </a:t>
             </a:r>
             <a:r>
-              <a:rPr lang="en-US" sz="2200" b="0" i="0" u="none" strike="noStrike" cap="none">
+              <a:rPr lang="en-US" sz="2200" b="0" i="0" u="none" strike="noStrike" cap="none" dirty="0">
                 <a:solidFill>
                   <a:schemeClr val="dk1"/>
                 </a:solidFill>
+                <a:highlight>
+                  <a:srgbClr val="FFFF00"/>
+                </a:highlight>
                 <a:latin typeface="Arial"/>
                 <a:ea typeface="Arial"/>
                 <a:cs typeface="Arial"/>
@@ -33827,10 +34108,13 @@
               <a:t>for manipulating these structures, and certain </a:t>
             </a:r>
             <a:r>
-              <a:rPr lang="en-US" sz="2200" b="1" i="1" u="none" strike="noStrike" cap="none">
+              <a:rPr lang="en-US" sz="2200" b="1" i="1" u="none" strike="noStrike" cap="none" dirty="0">
                 <a:solidFill>
                   <a:schemeClr val="dk1"/>
                 </a:solidFill>
+                <a:highlight>
+                  <a:srgbClr val="FFFF00"/>
+                </a:highlight>
                 <a:latin typeface="Arial"/>
                 <a:ea typeface="Arial"/>
                 <a:cs typeface="Arial"/>
@@ -33839,10 +34123,13 @@
               <a:t>constraints</a:t>
             </a:r>
             <a:r>
-              <a:rPr lang="en-US" sz="2200" b="0" i="0" u="none" strike="noStrike" cap="none">
+              <a:rPr lang="en-US" sz="2200" b="0" i="0" u="none" strike="noStrike" cap="none" dirty="0">
                 <a:solidFill>
                   <a:schemeClr val="dk1"/>
                 </a:solidFill>
+                <a:highlight>
+                  <a:srgbClr val="FFFF00"/>
+                </a:highlight>
                 <a:latin typeface="Arial"/>
                 <a:ea typeface="Arial"/>
                 <a:cs typeface="Arial"/>
@@ -33850,10 +34137,13 @@
               </a:rPr>
               <a:t> that the database should obey.</a:t>
             </a:r>
-            <a:endParaRPr sz="1210" b="0" i="0" u="none" strike="noStrike" cap="none">
+            <a:endParaRPr sz="1210" b="0" i="0" u="none" strike="noStrike" cap="none" dirty="0">
               <a:solidFill>
                 <a:schemeClr val="dk1"/>
               </a:solidFill>
+              <a:highlight>
+                <a:srgbClr val="FFFF00"/>
+              </a:highlight>
               <a:latin typeface="Noto Sans Symbols"/>
               <a:ea typeface="Noto Sans Symbols"/>
               <a:cs typeface="Noto Sans Symbols"/>
@@ -33876,10 +34166,13 @@
               <a:buChar char="•"/>
             </a:pPr>
             <a:r>
-              <a:rPr lang="en-US" sz="2400" b="1">
+              <a:rPr lang="en-US" sz="2400" b="1" dirty="0">
                 <a:solidFill>
                   <a:srgbClr val="333399"/>
                 </a:solidFill>
+                <a:highlight>
+                  <a:srgbClr val="FFFF00"/>
+                </a:highlight>
                 <a:latin typeface="Arial"/>
                 <a:ea typeface="Arial"/>
                 <a:cs typeface="Arial"/>
@@ -33887,10 +34180,13 @@
               </a:rPr>
               <a:t>Data Model Structure and Constraints:</a:t>
             </a:r>
-            <a:endParaRPr sz="1440" b="1">
+            <a:endParaRPr sz="1440" b="1" dirty="0">
               <a:solidFill>
                 <a:srgbClr val="990033"/>
               </a:solidFill>
+              <a:highlight>
+                <a:srgbClr val="FFFF00"/>
+              </a:highlight>
               <a:latin typeface="Noto Sans Symbols"/>
               <a:ea typeface="Noto Sans Symbols"/>
               <a:cs typeface="Noto Sans Symbols"/>
@@ -33913,10 +34209,13 @@
               <a:buChar char="•"/>
             </a:pPr>
             <a:r>
-              <a:rPr lang="en-US" sz="2200" b="0" i="0" u="none" strike="noStrike" cap="none">
+              <a:rPr lang="en-US" sz="2200" b="0" i="0" u="none" strike="noStrike" cap="none" dirty="0">
                 <a:solidFill>
                   <a:schemeClr val="dk1"/>
                 </a:solidFill>
+                <a:highlight>
+                  <a:srgbClr val="FFFF00"/>
+                </a:highlight>
                 <a:latin typeface="Arial"/>
                 <a:ea typeface="Arial"/>
                 <a:cs typeface="Arial"/>
@@ -33924,10 +34223,13 @@
               </a:rPr>
               <a:t>Constructs are used to define the database structure</a:t>
             </a:r>
-            <a:endParaRPr sz="1210" b="0" i="0" u="none" strike="noStrike" cap="none">
+            <a:endParaRPr sz="1210" b="0" i="0" u="none" strike="noStrike" cap="none" dirty="0">
               <a:solidFill>
                 <a:schemeClr val="dk1"/>
               </a:solidFill>
+              <a:highlight>
+                <a:srgbClr val="FFFF00"/>
+              </a:highlight>
               <a:latin typeface="Noto Sans Symbols"/>
               <a:ea typeface="Noto Sans Symbols"/>
               <a:cs typeface="Noto Sans Symbols"/>
@@ -33950,10 +34252,13 @@
               <a:buChar char="•"/>
             </a:pPr>
             <a:r>
-              <a:rPr lang="en-US" sz="2200" b="0" i="0" u="none" strike="noStrike" cap="none">
+              <a:rPr lang="en-US" sz="2200" b="0" i="0" u="none" strike="noStrike" cap="none" dirty="0">
                 <a:solidFill>
                   <a:schemeClr val="dk1"/>
                 </a:solidFill>
+                <a:highlight>
+                  <a:srgbClr val="FFFF00"/>
+                </a:highlight>
                 <a:latin typeface="Arial"/>
                 <a:ea typeface="Arial"/>
                 <a:cs typeface="Arial"/>
@@ -33962,10 +34267,13 @@
               <a:t>Constructs typically include </a:t>
             </a:r>
             <a:r>
-              <a:rPr lang="en-US" sz="2200" b="1" i="1" u="none" strike="noStrike" cap="none">
+              <a:rPr lang="en-US" sz="2200" b="1" i="1" u="none" strike="noStrike" cap="none" dirty="0">
                 <a:solidFill>
                   <a:schemeClr val="dk1"/>
                 </a:solidFill>
+                <a:highlight>
+                  <a:srgbClr val="FFFF00"/>
+                </a:highlight>
                 <a:latin typeface="Arial"/>
                 <a:ea typeface="Arial"/>
                 <a:cs typeface="Arial"/>
@@ -33974,10 +34282,13 @@
               <a:t>elements </a:t>
             </a:r>
             <a:r>
-              <a:rPr lang="en-US" sz="2200" b="0" i="0" u="none" strike="noStrike" cap="none">
+              <a:rPr lang="en-US" sz="2200" b="0" i="0" u="none" strike="noStrike" cap="none" dirty="0">
                 <a:solidFill>
                   <a:schemeClr val="dk1"/>
                 </a:solidFill>
+                <a:highlight>
+                  <a:srgbClr val="FFFF00"/>
+                </a:highlight>
                 <a:latin typeface="Arial"/>
                 <a:ea typeface="Arial"/>
                 <a:cs typeface="Arial"/>
@@ -33986,10 +34297,13 @@
               <a:t>(and their </a:t>
             </a:r>
             <a:r>
-              <a:rPr lang="en-US" sz="2200" b="1" i="1" u="none" strike="noStrike" cap="none">
+              <a:rPr lang="en-US" sz="2200" b="1" i="1" u="none" strike="noStrike" cap="none" dirty="0">
                 <a:solidFill>
                   <a:schemeClr val="dk1"/>
                 </a:solidFill>
+                <a:highlight>
+                  <a:srgbClr val="FFFF00"/>
+                </a:highlight>
                 <a:latin typeface="Arial"/>
                 <a:ea typeface="Arial"/>
                 <a:cs typeface="Arial"/>
@@ -33998,10 +34312,13 @@
               <a:t>data types</a:t>
             </a:r>
             <a:r>
-              <a:rPr lang="en-US" sz="2200" b="0" i="0" u="none" strike="noStrike" cap="none">
+              <a:rPr lang="en-US" sz="2200" b="0" i="0" u="none" strike="noStrike" cap="none" dirty="0">
                 <a:solidFill>
                   <a:schemeClr val="dk1"/>
                 </a:solidFill>
+                <a:highlight>
+                  <a:srgbClr val="FFFF00"/>
+                </a:highlight>
                 <a:latin typeface="Arial"/>
                 <a:ea typeface="Arial"/>
                 <a:cs typeface="Arial"/>
@@ -34010,10 +34327,13 @@
               <a:t>) as well as groups of elements (e.g. </a:t>
             </a:r>
             <a:r>
-              <a:rPr lang="en-US" sz="2200" b="1" i="1" u="none" strike="noStrike" cap="none">
+              <a:rPr lang="en-US" sz="2200" b="1" i="1" u="none" strike="noStrike" cap="none" dirty="0">
                 <a:solidFill>
                   <a:schemeClr val="dk1"/>
                 </a:solidFill>
+                <a:highlight>
+                  <a:srgbClr val="FFFF00"/>
+                </a:highlight>
                 <a:latin typeface="Arial"/>
                 <a:ea typeface="Arial"/>
                 <a:cs typeface="Arial"/>
@@ -34022,10 +34342,13 @@
               <a:t>entity, record, table</a:t>
             </a:r>
             <a:r>
-              <a:rPr lang="en-US" sz="2200" b="0" i="0" u="none" strike="noStrike" cap="none">
+              <a:rPr lang="en-US" sz="2200" b="0" i="0" u="none" strike="noStrike" cap="none" dirty="0">
                 <a:solidFill>
                   <a:schemeClr val="dk1"/>
                 </a:solidFill>
+                <a:highlight>
+                  <a:srgbClr val="FFFF00"/>
+                </a:highlight>
                 <a:latin typeface="Arial"/>
                 <a:ea typeface="Arial"/>
                 <a:cs typeface="Arial"/>
@@ -34034,10 +34357,13 @@
               <a:t>), and </a:t>
             </a:r>
             <a:r>
-              <a:rPr lang="en-US" sz="2200" b="1" i="1" u="none" strike="noStrike" cap="none">
+              <a:rPr lang="en-US" sz="2200" b="1" i="1" u="none" strike="noStrike" cap="none" dirty="0">
                 <a:solidFill>
                   <a:schemeClr val="dk1"/>
                 </a:solidFill>
+                <a:highlight>
+                  <a:srgbClr val="FFFF00"/>
+                </a:highlight>
                 <a:latin typeface="Arial"/>
                 <a:ea typeface="Arial"/>
                 <a:cs typeface="Arial"/>
@@ -34046,10 +34372,13 @@
               <a:t>relationships</a:t>
             </a:r>
             <a:r>
-              <a:rPr lang="en-US" sz="2200" b="0" i="0" u="none" strike="noStrike" cap="none">
+              <a:rPr lang="en-US" sz="2200" b="0" i="0" u="none" strike="noStrike" cap="none" dirty="0">
                 <a:solidFill>
                   <a:schemeClr val="dk1"/>
                 </a:solidFill>
+                <a:highlight>
+                  <a:srgbClr val="FFFF00"/>
+                </a:highlight>
                 <a:latin typeface="Arial"/>
                 <a:ea typeface="Arial"/>
                 <a:cs typeface="Arial"/>
@@ -34057,10 +34386,13 @@
               </a:rPr>
               <a:t> among such groups</a:t>
             </a:r>
-            <a:endParaRPr sz="1210" b="0" i="0" u="none" strike="noStrike" cap="none">
+            <a:endParaRPr sz="1210" b="0" i="0" u="none" strike="noStrike" cap="none" dirty="0">
               <a:solidFill>
                 <a:schemeClr val="dk1"/>
               </a:solidFill>
+              <a:highlight>
+                <a:srgbClr val="FFFF00"/>
+              </a:highlight>
               <a:latin typeface="Noto Sans Symbols"/>
               <a:ea typeface="Noto Sans Symbols"/>
               <a:cs typeface="Noto Sans Symbols"/>
@@ -34083,10 +34415,13 @@
               <a:buChar char="•"/>
             </a:pPr>
             <a:r>
-              <a:rPr lang="en-US" sz="2200" b="0" i="0" u="none" strike="noStrike" cap="none">
+              <a:rPr lang="en-US" sz="2200" b="0" i="0" u="none" strike="noStrike" cap="none" dirty="0">
                 <a:solidFill>
                   <a:schemeClr val="dk1"/>
                 </a:solidFill>
+                <a:highlight>
+                  <a:srgbClr val="FFFF00"/>
+                </a:highlight>
                 <a:latin typeface="Arial"/>
                 <a:ea typeface="Arial"/>
                 <a:cs typeface="Arial"/>
@@ -34094,7 +34429,11 @@
               </a:rPr>
               <a:t>Constraints specify some restrictions on valid data; these constraints must be enforced at all times</a:t>
             </a:r>
-            <a:endParaRPr/>
+            <a:endParaRPr dirty="0">
+              <a:highlight>
+                <a:srgbClr val="FFFF00"/>
+              </a:highlight>
+            </a:endParaRPr>
           </a:p>
           <a:p>
             <a:pPr marL="0" marR="0" lvl="0" indent="0" algn="l" rtl="0">
@@ -34112,10 +34451,13 @@
               <a:buChar char="•"/>
             </a:pPr>
             <a:r>
-              <a:rPr lang="en-US" sz="2400" b="1">
+              <a:rPr lang="en-US" sz="2400" b="1" dirty="0">
                 <a:solidFill>
                   <a:srgbClr val="333399"/>
                 </a:solidFill>
+                <a:highlight>
+                  <a:srgbClr val="FFFF00"/>
+                </a:highlight>
                 <a:latin typeface="Arial"/>
                 <a:ea typeface="Arial"/>
                 <a:cs typeface="Arial"/>
@@ -34123,7 +34465,11 @@
               </a:rPr>
               <a:t>Data Model Operations:</a:t>
             </a:r>
-            <a:endParaRPr/>
+            <a:endParaRPr dirty="0">
+              <a:highlight>
+                <a:srgbClr val="FFFF00"/>
+              </a:highlight>
+            </a:endParaRPr>
           </a:p>
           <a:p>
             <a:pPr marL="800100" marR="0" lvl="1" indent="-342900" algn="l" rtl="0">
@@ -34141,10 +34487,13 @@
               <a:buChar char="•"/>
             </a:pPr>
             <a:r>
-              <a:rPr lang="en-US" sz="2200" b="0" i="0" u="none" strike="noStrike" cap="none">
+              <a:rPr lang="en-US" sz="2200" b="0" i="0" u="none" strike="noStrike" cap="none" dirty="0">
                 <a:solidFill>
                   <a:schemeClr val="dk1"/>
                 </a:solidFill>
+                <a:highlight>
+                  <a:srgbClr val="FFFF00"/>
+                </a:highlight>
                 <a:latin typeface="Arial"/>
                 <a:ea typeface="Arial"/>
                 <a:cs typeface="Arial"/>
@@ -34152,7 +34501,11 @@
               </a:rPr>
               <a:t>These operations are used for specifying database retrievals and updates by referring to the constructs of the data model.</a:t>
             </a:r>
-            <a:endParaRPr/>
+            <a:endParaRPr dirty="0">
+              <a:highlight>
+                <a:srgbClr val="FFFF00"/>
+              </a:highlight>
+            </a:endParaRPr>
           </a:p>
           <a:p>
             <a:pPr marL="457200" marR="0" lvl="1" indent="0" algn="l" rtl="0">
@@ -34164,10 +34517,13 @@
               </a:spcAft>
               <a:buNone/>
             </a:pPr>
-            <a:endParaRPr sz="1100" b="0" i="0" u="none" strike="noStrike" cap="none">
+            <a:endParaRPr sz="1100" b="0" i="0" u="none" strike="noStrike" cap="none" dirty="0">
               <a:solidFill>
                 <a:schemeClr val="dk1"/>
               </a:solidFill>
+              <a:highlight>
+                <a:srgbClr val="FFFF00"/>
+              </a:highlight>
               <a:latin typeface="Calibri"/>
               <a:ea typeface="Calibri"/>
               <a:cs typeface="Calibri"/>
@@ -34185,10 +34541,13 @@
               <a:buNone/>
             </a:pPr>
             <a:r>
-              <a:rPr lang="en-US" sz="2200" b="0" i="0" u="none" strike="noStrike" cap="none">
+              <a:rPr lang="en-US" sz="2200" b="0" i="0" u="none" strike="noStrike" cap="none" dirty="0">
                 <a:solidFill>
                   <a:schemeClr val="dk1"/>
                 </a:solidFill>
+                <a:highlight>
+                  <a:srgbClr val="FFFF00"/>
+                </a:highlight>
                 <a:latin typeface="Arial"/>
                 <a:ea typeface="Arial"/>
                 <a:cs typeface="Arial"/>
@@ -34197,10 +34556,13 @@
               <a:t>Operations on the data model may include </a:t>
             </a:r>
             <a:r>
-              <a:rPr lang="en-US" sz="2200" b="1" i="0" u="none" strike="noStrike" cap="none">
+              <a:rPr lang="en-US" sz="2200" b="1" i="0" u="none" strike="noStrike" cap="none" dirty="0">
                 <a:solidFill>
                   <a:schemeClr val="dk1"/>
                 </a:solidFill>
+                <a:highlight>
+                  <a:srgbClr val="FFFF00"/>
+                </a:highlight>
                 <a:latin typeface="Arial"/>
                 <a:ea typeface="Arial"/>
                 <a:cs typeface="Arial"/>
@@ -34209,10 +34571,13 @@
               <a:t>basic model </a:t>
             </a:r>
             <a:r>
-              <a:rPr lang="en-US" sz="2200" b="0" i="0" u="none" strike="noStrike" cap="none">
+              <a:rPr lang="en-US" sz="2200" b="0" i="0" u="none" strike="noStrike" cap="none" dirty="0">
                 <a:solidFill>
                   <a:schemeClr val="dk1"/>
                 </a:solidFill>
+                <a:highlight>
+                  <a:srgbClr val="FFFF00"/>
+                </a:highlight>
                 <a:latin typeface="Arial"/>
                 <a:ea typeface="Arial"/>
                 <a:cs typeface="Arial"/>
@@ -34221,10 +34586,13 @@
               <a:t>operations (e.g. generic insert, delete, update) and </a:t>
             </a:r>
             <a:r>
-              <a:rPr lang="en-US" sz="2200" b="1" i="0" u="none" strike="noStrike" cap="none">
+              <a:rPr lang="en-US" sz="2200" b="1" i="0" u="none" strike="noStrike" cap="none" dirty="0">
                 <a:solidFill>
                   <a:schemeClr val="dk1"/>
                 </a:solidFill>
+                <a:highlight>
+                  <a:srgbClr val="FFFF00"/>
+                </a:highlight>
                 <a:latin typeface="Arial"/>
                 <a:ea typeface="Arial"/>
                 <a:cs typeface="Arial"/>
@@ -34233,18 +34601,85 @@
               <a:t>user-defined</a:t>
             </a:r>
             <a:r>
-              <a:rPr lang="en-US" sz="2200" b="0" i="0" u="none" strike="noStrike" cap="none">
+              <a:rPr lang="en-US" sz="2200" b="0" i="0" u="none" strike="noStrike" cap="none" dirty="0">
                 <a:solidFill>
                   <a:schemeClr val="dk1"/>
                 </a:solidFill>
+                <a:highlight>
+                  <a:srgbClr val="FFFF00"/>
+                </a:highlight>
                 <a:latin typeface="Arial"/>
                 <a:ea typeface="Arial"/>
                 <a:cs typeface="Arial"/>
                 <a:sym typeface="Arial"/>
               </a:rPr>
-              <a:t> operations (e.g. compute_student_gpa, update_inventory)</a:t>
-            </a:r>
-            <a:endParaRPr/>
+              <a:t> operations (e.g. </a:t>
+            </a:r>
+            <a:r>
+              <a:rPr lang="en-US" sz="2200" b="0" i="0" u="none" strike="noStrike" cap="none" dirty="0" err="1">
+                <a:solidFill>
+                  <a:schemeClr val="dk1"/>
+                </a:solidFill>
+                <a:highlight>
+                  <a:srgbClr val="FFFF00"/>
+                </a:highlight>
+                <a:latin typeface="Arial"/>
+                <a:ea typeface="Arial"/>
+                <a:cs typeface="Arial"/>
+                <a:sym typeface="Arial"/>
+              </a:rPr>
+              <a:t>compute_student_gpa</a:t>
+            </a:r>
+            <a:r>
+              <a:rPr lang="en-US" sz="2200" b="0" i="0" u="none" strike="noStrike" cap="none" dirty="0">
+                <a:solidFill>
+                  <a:schemeClr val="dk1"/>
+                </a:solidFill>
+                <a:highlight>
+                  <a:srgbClr val="FFFF00"/>
+                </a:highlight>
+                <a:latin typeface="Arial"/>
+                <a:ea typeface="Arial"/>
+                <a:cs typeface="Arial"/>
+                <a:sym typeface="Arial"/>
+              </a:rPr>
+              <a:t>, </a:t>
+            </a:r>
+            <a:r>
+              <a:rPr lang="en-US" sz="2200" b="0" i="0" u="none" strike="noStrike" cap="none" dirty="0" err="1">
+                <a:solidFill>
+                  <a:schemeClr val="dk1"/>
+                </a:solidFill>
+                <a:highlight>
+                  <a:srgbClr val="FFFF00"/>
+                </a:highlight>
+                <a:latin typeface="Arial"/>
+                <a:ea typeface="Arial"/>
+                <a:cs typeface="Arial"/>
+                <a:sym typeface="Arial"/>
+              </a:rPr>
+              <a:t>update_inventory</a:t>
+            </a:r>
+            <a:r>
+              <a:rPr lang="en-US" sz="2200" b="0" i="0" u="none" strike="noStrike" cap="none" dirty="0">
+                <a:solidFill>
+                  <a:schemeClr val="dk1"/>
+                </a:solidFill>
+                <a:highlight>
+                  <a:srgbClr val="FFFF00"/>
+                </a:highlight>
+                <a:latin typeface="Arial"/>
+                <a:ea typeface="Arial"/>
+                <a:cs typeface="Arial"/>
+                <a:sym typeface="Arial"/>
+              </a:rPr>
+              <a:t>)</a:t>
+            </a:r>
+            <a:endParaRPr dirty="0">
+              <a:highlight>
+                <a:srgbClr val="FFFF00"/>
+              </a:highlight>
+            </a:endParaRPr>
           </a:p>
           <a:p>
             <a:pPr marL="742950" marR="0" lvl="1" indent="-146050" algn="l" rtl="0">
@@ -34261,10 +34696,13 @@
               <a:buFont typeface="Arial"/>
               <a:buNone/>
             </a:pPr>
-            <a:endParaRPr sz="2200" b="0" i="0" u="none" strike="noStrike" cap="none">
+            <a:endParaRPr sz="2200" b="0" i="0" u="none" strike="noStrike" cap="none" dirty="0">
               <a:solidFill>
                 <a:schemeClr val="dk1"/>
               </a:solidFill>
+              <a:highlight>
+                <a:srgbClr val="FFFF00"/>
+              </a:highlight>
               <a:latin typeface="Arial"/>
               <a:ea typeface="Arial"/>
               <a:cs typeface="Arial"/>
@@ -34281,10 +34719,13 @@
               </a:spcAft>
               <a:buNone/>
             </a:pPr>
-            <a:endParaRPr sz="1210" b="0" i="0" u="none" strike="noStrike" cap="none">
+            <a:endParaRPr sz="1210" b="0" i="0" u="none" strike="noStrike" cap="none" dirty="0">
               <a:solidFill>
                 <a:schemeClr val="dk1"/>
               </a:solidFill>
+              <a:highlight>
+                <a:srgbClr val="FFFF00"/>
+              </a:highlight>
               <a:latin typeface="Noto Sans Symbols"/>
               <a:ea typeface="Noto Sans Symbols"/>
               <a:cs typeface="Noto Sans Symbols"/>
@@ -34512,10 +34953,13 @@
               <a:buNone/>
             </a:pPr>
             <a:r>
-              <a:rPr lang="en-US" sz="2400" b="1">
+              <a:rPr lang="en-US" sz="2400" b="1" dirty="0">
                 <a:solidFill>
                   <a:srgbClr val="0070C0"/>
                 </a:solidFill>
+                <a:highlight>
+                  <a:srgbClr val="FFFF00"/>
+                </a:highlight>
                 <a:latin typeface="Times"/>
                 <a:ea typeface="Times"/>
                 <a:cs typeface="Times"/>
@@ -34523,10 +34967,13 @@
               </a:rPr>
               <a:t>Conceptual (high-level, semantic) data models:</a:t>
             </a:r>
-            <a:endParaRPr sz="1600" b="1">
+            <a:endParaRPr sz="1600" b="1" dirty="0">
               <a:solidFill>
                 <a:srgbClr val="0070C0"/>
               </a:solidFill>
+              <a:highlight>
+                <a:srgbClr val="FFFF00"/>
+              </a:highlight>
               <a:latin typeface="Times"/>
               <a:ea typeface="Times"/>
               <a:cs typeface="Times"/>
@@ -34544,10 +34991,13 @@
               <a:buNone/>
             </a:pPr>
             <a:r>
-              <a:rPr lang="en-US" sz="2400" b="0" i="0" u="none" strike="noStrike" cap="none">
+              <a:rPr lang="en-US" sz="2400" b="0" i="0" u="none" strike="noStrike" cap="none" dirty="0">
                 <a:solidFill>
                   <a:schemeClr val="dk1"/>
                 </a:solidFill>
+                <a:highlight>
+                  <a:srgbClr val="FFFF00"/>
+                </a:highlight>
                 <a:latin typeface="Times"/>
                 <a:ea typeface="Times"/>
                 <a:cs typeface="Times"/>
@@ -34555,10 +35005,13 @@
               </a:rPr>
               <a:t>Provide concepts that are close to the way many users perceive data. </a:t>
             </a:r>
-            <a:endParaRPr sz="1400" b="0" i="0" u="none" strike="noStrike" cap="none">
+            <a:endParaRPr sz="1400" b="0" i="0" u="none" strike="noStrike" cap="none" dirty="0">
               <a:solidFill>
                 <a:schemeClr val="dk1"/>
               </a:solidFill>
+              <a:highlight>
+                <a:srgbClr val="FFFF00"/>
+              </a:highlight>
               <a:latin typeface="Times"/>
               <a:ea typeface="Times"/>
               <a:cs typeface="Times"/>
@@ -34576,10 +35029,13 @@
               <a:buNone/>
             </a:pPr>
             <a:r>
-              <a:rPr lang="en-US" sz="2400" b="0" i="0" u="none" strike="noStrike" cap="none">
+              <a:rPr lang="en-US" sz="2400" b="0" i="0" u="none" strike="noStrike" cap="none" dirty="0">
                 <a:solidFill>
                   <a:schemeClr val="dk1"/>
                 </a:solidFill>
+                <a:highlight>
+                  <a:srgbClr val="FFFF00"/>
+                </a:highlight>
                 <a:latin typeface="Times"/>
                 <a:ea typeface="Times"/>
                 <a:cs typeface="Times"/>
@@ -34588,10 +35044,13 @@
               <a:t>(Also called </a:t>
             </a:r>
             <a:r>
-              <a:rPr lang="en-US" sz="2400" b="1" i="1" u="none" strike="noStrike" cap="none">
+              <a:rPr lang="en-US" sz="2400" b="1" i="1" u="none" strike="noStrike" cap="none" dirty="0">
                 <a:solidFill>
                   <a:schemeClr val="dk1"/>
                 </a:solidFill>
+                <a:highlight>
+                  <a:srgbClr val="FFFF00"/>
+                </a:highlight>
                 <a:latin typeface="Times"/>
                 <a:ea typeface="Times"/>
                 <a:cs typeface="Times"/>
@@ -34600,10 +35059,13 @@
               <a:t>entity-based</a:t>
             </a:r>
             <a:r>
-              <a:rPr lang="en-US" sz="2400" b="0" i="1" u="none" strike="noStrike" cap="none">
+              <a:rPr lang="en-US" sz="2400" b="0" i="1" u="none" strike="noStrike" cap="none" dirty="0">
                 <a:solidFill>
                   <a:schemeClr val="dk1"/>
                 </a:solidFill>
+                <a:highlight>
+                  <a:srgbClr val="FFFF00"/>
+                </a:highlight>
                 <a:latin typeface="Times"/>
                 <a:ea typeface="Times"/>
                 <a:cs typeface="Times"/>
@@ -34612,10 +35074,13 @@
               <a:t> </a:t>
             </a:r>
             <a:r>
-              <a:rPr lang="en-US" sz="2400" b="0" i="0" u="none" strike="noStrike" cap="none">
+              <a:rPr lang="en-US" sz="2400" b="0" i="0" u="none" strike="noStrike" cap="none" dirty="0">
                 <a:solidFill>
                   <a:schemeClr val="dk1"/>
                 </a:solidFill>
+                <a:highlight>
+                  <a:srgbClr val="FFFF00"/>
+                </a:highlight>
                 <a:latin typeface="Times"/>
                 <a:ea typeface="Times"/>
                 <a:cs typeface="Times"/>
@@ -34624,10 +35089,13 @@
               <a:t>or</a:t>
             </a:r>
             <a:r>
-              <a:rPr lang="en-US" sz="2400" b="0" i="1" u="none" strike="noStrike" cap="none">
+              <a:rPr lang="en-US" sz="2400" b="0" i="1" u="none" strike="noStrike" cap="none" dirty="0">
                 <a:solidFill>
                   <a:schemeClr val="dk1"/>
                 </a:solidFill>
+                <a:highlight>
+                  <a:srgbClr val="FFFF00"/>
+                </a:highlight>
                 <a:latin typeface="Times"/>
                 <a:ea typeface="Times"/>
                 <a:cs typeface="Times"/>
@@ -34636,10 +35104,13 @@
               <a:t> </a:t>
             </a:r>
             <a:r>
-              <a:rPr lang="en-US" sz="2400" b="1" i="1" u="none" strike="noStrike" cap="none">
+              <a:rPr lang="en-US" sz="2400" b="1" i="1" u="none" strike="noStrike" cap="none" dirty="0">
                 <a:solidFill>
                   <a:schemeClr val="dk1"/>
                 </a:solidFill>
+                <a:highlight>
+                  <a:srgbClr val="FFFF00"/>
+                </a:highlight>
                 <a:latin typeface="Times"/>
                 <a:ea typeface="Times"/>
                 <a:cs typeface="Times"/>
@@ -34648,10 +35119,13 @@
               <a:t>object-based</a:t>
             </a:r>
             <a:r>
-              <a:rPr lang="en-US" sz="2400" b="0" i="0" u="none" strike="noStrike" cap="none">
+              <a:rPr lang="en-US" sz="2400" b="0" i="0" u="none" strike="noStrike" cap="none" dirty="0">
                 <a:solidFill>
                   <a:schemeClr val="dk1"/>
                 </a:solidFill>
+                <a:highlight>
+                  <a:srgbClr val="FFFF00"/>
+                </a:highlight>
                 <a:latin typeface="Times"/>
                 <a:ea typeface="Times"/>
                 <a:cs typeface="Times"/>
@@ -34659,10 +35133,13 @@
               </a:rPr>
               <a:t> data models.)</a:t>
             </a:r>
-            <a:endParaRPr sz="1050" b="0" i="0" u="none" strike="noStrike" cap="none">
+            <a:endParaRPr sz="1050" b="0" i="0" u="none" strike="noStrike" cap="none" dirty="0">
               <a:solidFill>
                 <a:schemeClr val="dk1"/>
               </a:solidFill>
+              <a:highlight>
+                <a:srgbClr val="FFFF00"/>
+              </a:highlight>
               <a:latin typeface="Times"/>
               <a:ea typeface="Times"/>
               <a:cs typeface="Times"/>
@@ -34680,10 +35157,13 @@
               <a:buNone/>
             </a:pPr>
             <a:r>
-              <a:rPr lang="en-US" sz="2400" b="1">
+              <a:rPr lang="en-US" sz="2400" b="1" dirty="0">
                 <a:solidFill>
                   <a:srgbClr val="0070C0"/>
                 </a:solidFill>
+                <a:highlight>
+                  <a:srgbClr val="FFFF00"/>
+                </a:highlight>
                 <a:latin typeface="Times"/>
                 <a:ea typeface="Times"/>
                 <a:cs typeface="Times"/>
@@ -34691,10 +35171,13 @@
               </a:rPr>
               <a:t>Physical (low-level, internal) data models:</a:t>
             </a:r>
-            <a:endParaRPr sz="1600" b="1">
+            <a:endParaRPr sz="1600" b="1" dirty="0">
               <a:solidFill>
                 <a:srgbClr val="0070C0"/>
               </a:solidFill>
+              <a:highlight>
+                <a:srgbClr val="FFFF00"/>
+              </a:highlight>
               <a:latin typeface="Times"/>
               <a:ea typeface="Times"/>
               <a:cs typeface="Times"/>
@@ -34712,10 +35195,13 @@
               <a:buNone/>
             </a:pPr>
             <a:r>
-              <a:rPr lang="en-US" sz="2400" b="0" i="0" u="none" strike="noStrike" cap="none">
+              <a:rPr lang="en-US" sz="2400" b="0" i="0" u="none" strike="noStrike" cap="none" dirty="0">
                 <a:solidFill>
                   <a:schemeClr val="dk1"/>
                 </a:solidFill>
+                <a:highlight>
+                  <a:srgbClr val="FFFF00"/>
+                </a:highlight>
                 <a:latin typeface="Times"/>
                 <a:ea typeface="Times"/>
                 <a:cs typeface="Times"/>
@@ -34723,10 +35209,13 @@
               </a:rPr>
               <a:t>Provide concepts that describe details of how data is stored in the computer. These are usually specified in an ad-hoc manner through DBMS design and administration manuals</a:t>
             </a:r>
-            <a:endParaRPr sz="1400" b="0" i="0" u="none" strike="noStrike" cap="none">
+            <a:endParaRPr sz="1400" b="0" i="0" u="none" strike="noStrike" cap="none" dirty="0">
               <a:solidFill>
                 <a:schemeClr val="dk1"/>
               </a:solidFill>
+              <a:highlight>
+                <a:srgbClr val="FFFF00"/>
+              </a:highlight>
               <a:latin typeface="Times"/>
               <a:ea typeface="Times"/>
               <a:cs typeface="Times"/>
@@ -34744,10 +35233,13 @@
               <a:buNone/>
             </a:pPr>
             <a:r>
-              <a:rPr lang="en-US" sz="2400" b="1">
+              <a:rPr lang="en-US" sz="2400" b="1" dirty="0">
                 <a:solidFill>
                   <a:srgbClr val="0070C0"/>
                 </a:solidFill>
+                <a:highlight>
+                  <a:srgbClr val="FFFF00"/>
+                </a:highlight>
                 <a:latin typeface="Times"/>
                 <a:ea typeface="Times"/>
                 <a:cs typeface="Times"/>
@@ -34755,10 +35247,13 @@
               </a:rPr>
               <a:t>Implementation (representational) data models:</a:t>
             </a:r>
-            <a:endParaRPr sz="1600" b="1">
+            <a:endParaRPr sz="1600" b="1" dirty="0">
               <a:solidFill>
                 <a:srgbClr val="0070C0"/>
               </a:solidFill>
+              <a:highlight>
+                <a:srgbClr val="FFFF00"/>
+              </a:highlight>
               <a:latin typeface="Times"/>
               <a:ea typeface="Times"/>
               <a:cs typeface="Times"/>
@@ -34776,10 +35271,13 @@
               <a:buNone/>
             </a:pPr>
             <a:r>
-              <a:rPr lang="en-US" sz="2400" b="0" i="0" u="none" strike="noStrike" cap="none">
+              <a:rPr lang="en-US" sz="2400" b="0" i="0" u="none" strike="noStrike" cap="none" dirty="0">
                 <a:solidFill>
                   <a:schemeClr val="dk1"/>
                 </a:solidFill>
+                <a:highlight>
+                  <a:srgbClr val="FFFF00"/>
+                </a:highlight>
                 <a:latin typeface="Times"/>
                 <a:ea typeface="Times"/>
                 <a:cs typeface="Times"/>
@@ -34787,10 +35285,13 @@
               </a:rPr>
               <a:t>Provide concepts that fall between the above two, used by many commercial DBMS implementations (e.g. relational data models used in many commercial systems).</a:t>
             </a:r>
-            <a:endParaRPr sz="1400" b="0" i="0" u="none" strike="noStrike" cap="none">
+            <a:endParaRPr sz="1400" b="0" i="0" u="none" strike="noStrike" cap="none" dirty="0">
               <a:solidFill>
                 <a:schemeClr val="dk1"/>
               </a:solidFill>
+              <a:highlight>
+                <a:srgbClr val="FFFF00"/>
+              </a:highlight>
               <a:latin typeface="Times"/>
               <a:ea typeface="Times"/>
               <a:cs typeface="Times"/>
@@ -37785,8 +38286,8 @@
             <a:chExt cx="1106280" cy="799200"/>
           </a:xfrm>
         </p:grpSpPr>
-        <mc:AlternateContent xmlns:mc="http://schemas.openxmlformats.org/markup-compatibility/2006">
-          <mc:Choice xmlns:p14="http://schemas.microsoft.com/office/powerpoint/2010/main" Requires="p14">
+        <mc:AlternateContent xmlns:mc="http://schemas.openxmlformats.org/markup-compatibility/2006" xmlns:p14="http://schemas.microsoft.com/office/powerpoint/2010/main">
+          <mc:Choice Requires="p14">
             <p:contentPart p14:bwMode="auto" r:id="rId3">
               <p14:nvContentPartPr>
                 <p14:cNvPr id="2" name="Ink 1">
@@ -37805,7 +38306,7 @@
               </p14:xfrm>
             </p:contentPart>
           </mc:Choice>
-          <mc:Fallback>
+          <mc:Fallback xmlns="">
             <p:pic>
               <p:nvPicPr>
                 <p:cNvPr id="2" name="Ink 1">
@@ -37836,8 +38337,8 @@
             </p:pic>
           </mc:Fallback>
         </mc:AlternateContent>
-        <mc:AlternateContent xmlns:mc="http://schemas.openxmlformats.org/markup-compatibility/2006">
-          <mc:Choice xmlns:p14="http://schemas.microsoft.com/office/powerpoint/2010/main" Requires="p14">
+        <mc:AlternateContent xmlns:mc="http://schemas.openxmlformats.org/markup-compatibility/2006" xmlns:p14="http://schemas.microsoft.com/office/powerpoint/2010/main">
+          <mc:Choice Requires="p14">
             <p:contentPart p14:bwMode="auto" r:id="rId5">
               <p14:nvContentPartPr>
                 <p14:cNvPr id="3" name="Ink 2">
@@ -37856,7 +38357,7 @@
               </p14:xfrm>
             </p:contentPart>
           </mc:Choice>
-          <mc:Fallback>
+          <mc:Fallback xmlns="">
             <p:pic>
               <p:nvPicPr>
                 <p:cNvPr id="3" name="Ink 2">
@@ -37887,8 +38388,8 @@
             </p:pic>
           </mc:Fallback>
         </mc:AlternateContent>
-        <mc:AlternateContent xmlns:mc="http://schemas.openxmlformats.org/markup-compatibility/2006">
-          <mc:Choice xmlns:p14="http://schemas.microsoft.com/office/powerpoint/2010/main" Requires="p14">
+        <mc:AlternateContent xmlns:mc="http://schemas.openxmlformats.org/markup-compatibility/2006" xmlns:p14="http://schemas.microsoft.com/office/powerpoint/2010/main">
+          <mc:Choice Requires="p14">
             <p:contentPart p14:bwMode="auto" r:id="rId7">
               <p14:nvContentPartPr>
                 <p14:cNvPr id="4" name="Ink 3">
@@ -37907,7 +38408,7 @@
               </p14:xfrm>
             </p:contentPart>
           </mc:Choice>
-          <mc:Fallback>
+          <mc:Fallback xmlns="">
             <p:pic>
               <p:nvPicPr>
                 <p:cNvPr id="4" name="Ink 3">
@@ -37938,8 +38439,8 @@
             </p:pic>
           </mc:Fallback>
         </mc:AlternateContent>
-        <mc:AlternateContent xmlns:mc="http://schemas.openxmlformats.org/markup-compatibility/2006">
-          <mc:Choice xmlns:p14="http://schemas.microsoft.com/office/powerpoint/2010/main" Requires="p14">
+        <mc:AlternateContent xmlns:mc="http://schemas.openxmlformats.org/markup-compatibility/2006" xmlns:p14="http://schemas.microsoft.com/office/powerpoint/2010/main">
+          <mc:Choice Requires="p14">
             <p:contentPart p14:bwMode="auto" r:id="rId9">
               <p14:nvContentPartPr>
                 <p14:cNvPr id="5" name="Ink 4">
@@ -37958,7 +38459,7 @@
               </p14:xfrm>
             </p:contentPart>
           </mc:Choice>
-          <mc:Fallback>
+          <mc:Fallback xmlns="">
             <p:pic>
               <p:nvPicPr>
                 <p:cNvPr id="5" name="Ink 4">
@@ -37990,8 +38491,8 @@
           </mc:Fallback>
         </mc:AlternateContent>
       </p:grpSp>
-      <mc:AlternateContent xmlns:mc="http://schemas.openxmlformats.org/markup-compatibility/2006">
-        <mc:Choice xmlns:p14="http://schemas.microsoft.com/office/powerpoint/2010/main" Requires="p14">
+      <mc:AlternateContent xmlns:mc="http://schemas.openxmlformats.org/markup-compatibility/2006" xmlns:p14="http://schemas.microsoft.com/office/powerpoint/2010/main">
+        <mc:Choice Requires="p14">
           <p:contentPart p14:bwMode="auto" r:id="rId11">
             <p14:nvContentPartPr>
               <p14:cNvPr id="7" name="Ink 6">
@@ -38010,7 +38511,7 @@
             </p14:xfrm>
           </p:contentPart>
         </mc:Choice>
-        <mc:Fallback>
+        <mc:Fallback xmlns="">
           <p:pic>
             <p:nvPicPr>
               <p:cNvPr id="7" name="Ink 6">
